--- a/Abschlussdoku/documents/00_presentations/final_presentation.pptx
+++ b/Abschlussdoku/documents/00_presentations/final_presentation.pptx
@@ -225,6 +225,7 @@
           </a:p>
         </c:rich>
       </c:tx>
+      <c:layout/>
       <c:overlay val="0"/>
     </c:title>
     <c:autoTitleDeleted val="0"/>
@@ -437,6 +438,7 @@
           </a:p>
         </c:rich>
       </c:tx>
+      <c:layout/>
       <c:overlay val="0"/>
     </c:title>
     <c:autoTitleDeleted val="0"/>
@@ -625,7 +627,7 @@
           <a:p>
             <a:fld id="{BC4AF301-A1F3-4F4B-8D67-079E88C8BBE8}" type="datetimeFigureOut">
               <a:rPr lang="de-DE" smtClean="0"/>
-              <a:t>19.06.2013</a:t>
+              <a:t>25.06.2013</a:t>
             </a:fld>
             <a:endParaRPr lang="de-DE"/>
           </a:p>
@@ -1799,10 +1801,10 @@
           <a:bodyPr/>
           <a:lstStyle/>
           <a:p>
-            <a:fld id="{35338F35-DB24-49B2-A8E9-97B12F03D8AE}" type="datetimeFigureOut">
+            <a:r>
               <a:rPr lang="de-DE" smtClean="0"/>
               <a:t>19.06.2013</a:t>
-            </a:fld>
+            </a:r>
             <a:endParaRPr lang="de-DE"/>
           </a:p>
         </p:txBody>
@@ -1976,10 +1978,10 @@
           <a:bodyPr/>
           <a:lstStyle/>
           <a:p>
-            <a:fld id="{35338F35-DB24-49B2-A8E9-97B12F03D8AE}" type="datetimeFigureOut">
+            <a:r>
               <a:rPr lang="de-DE" smtClean="0"/>
               <a:t>19.06.2013</a:t>
-            </a:fld>
+            </a:r>
             <a:endParaRPr lang="de-DE"/>
           </a:p>
         </p:txBody>
@@ -2174,10 +2176,10 @@
           <a:bodyPr/>
           <a:lstStyle/>
           <a:p>
-            <a:fld id="{35338F35-DB24-49B2-A8E9-97B12F03D8AE}" type="datetimeFigureOut">
+            <a:r>
               <a:rPr lang="de-DE" smtClean="0"/>
               <a:t>19.06.2013</a:t>
-            </a:fld>
+            </a:r>
             <a:endParaRPr lang="de-DE"/>
           </a:p>
         </p:txBody>
@@ -2328,10 +2330,10 @@
           <a:bodyPr/>
           <a:lstStyle/>
           <a:p>
-            <a:fld id="{35338F35-DB24-49B2-A8E9-97B12F03D8AE}" type="datetimeFigureOut">
+            <a:r>
               <a:rPr lang="de-DE" smtClean="0"/>
               <a:t>19.06.2013</a:t>
-            </a:fld>
+            </a:r>
             <a:endParaRPr lang="de-DE"/>
           </a:p>
         </p:txBody>
@@ -2603,10 +2605,10 @@
           <a:bodyPr/>
           <a:lstStyle/>
           <a:p>
-            <a:fld id="{35338F35-DB24-49B2-A8E9-97B12F03D8AE}" type="datetimeFigureOut">
+            <a:r>
               <a:rPr lang="de-DE" smtClean="0"/>
               <a:t>19.06.2013</a:t>
-            </a:fld>
+            </a:r>
             <a:endParaRPr lang="de-DE"/>
           </a:p>
         </p:txBody>
@@ -2902,10 +2904,10 @@
           <a:bodyPr/>
           <a:lstStyle/>
           <a:p>
-            <a:fld id="{35338F35-DB24-49B2-A8E9-97B12F03D8AE}" type="datetimeFigureOut">
+            <a:r>
               <a:rPr lang="de-DE" smtClean="0"/>
               <a:t>19.06.2013</a:t>
-            </a:fld>
+            </a:r>
             <a:endParaRPr lang="de-DE"/>
           </a:p>
         </p:txBody>
@@ -3344,10 +3346,10 @@
           <a:bodyPr/>
           <a:lstStyle/>
           <a:p>
-            <a:fld id="{35338F35-DB24-49B2-A8E9-97B12F03D8AE}" type="datetimeFigureOut">
+            <a:r>
               <a:rPr lang="de-DE" smtClean="0"/>
               <a:t>19.06.2013</a:t>
-            </a:fld>
+            </a:r>
             <a:endParaRPr lang="de-DE"/>
           </a:p>
         </p:txBody>
@@ -3451,10 +3453,10 @@
           <a:bodyPr/>
           <a:lstStyle/>
           <a:p>
-            <a:fld id="{35338F35-DB24-49B2-A8E9-97B12F03D8AE}" type="datetimeFigureOut">
+            <a:r>
               <a:rPr lang="de-DE" smtClean="0"/>
               <a:t>19.06.2013</a:t>
-            </a:fld>
+            </a:r>
             <a:endParaRPr lang="de-DE"/>
           </a:p>
         </p:txBody>
@@ -3571,10 +3573,10 @@
           <a:bodyPr/>
           <a:lstStyle/>
           <a:p>
-            <a:fld id="{35338F35-DB24-49B2-A8E9-97B12F03D8AE}" type="datetimeFigureOut">
+            <a:r>
               <a:rPr lang="de-DE" smtClean="0"/>
               <a:t>19.06.2013</a:t>
-            </a:fld>
+            </a:r>
             <a:endParaRPr lang="de-DE"/>
           </a:p>
         </p:txBody>
@@ -3856,10 +3858,10 @@
           <a:bodyPr/>
           <a:lstStyle/>
           <a:p>
-            <a:fld id="{35338F35-DB24-49B2-A8E9-97B12F03D8AE}" type="datetimeFigureOut">
+            <a:r>
               <a:rPr lang="de-DE" smtClean="0"/>
               <a:t>19.06.2013</a:t>
-            </a:fld>
+            </a:r>
             <a:endParaRPr lang="de-DE"/>
           </a:p>
         </p:txBody>
@@ -4127,10 +4129,10 @@
           <a:bodyPr/>
           <a:lstStyle/>
           <a:p>
-            <a:fld id="{35338F35-DB24-49B2-A8E9-97B12F03D8AE}" type="datetimeFigureOut">
+            <a:r>
               <a:rPr lang="de-DE" smtClean="0"/>
               <a:t>19.06.2013</a:t>
-            </a:fld>
+            </a:r>
             <a:endParaRPr lang="de-DE"/>
           </a:p>
         </p:txBody>
@@ -4347,10 +4349,10 @@
             </a:lvl1pPr>
           </a:lstStyle>
           <a:p>
-            <a:fld id="{35338F35-DB24-49B2-A8E9-97B12F03D8AE}" type="datetimeFigureOut">
+            <a:r>
               <a:rPr lang="de-DE" smtClean="0"/>
               <a:t>19.06.2013</a:t>
-            </a:fld>
+            </a:r>
             <a:endParaRPr lang="de-DE"/>
           </a:p>
         </p:txBody>
@@ -4454,6 +4456,7 @@
       </p:par>
     </p:tnLst>
   </p:timing>
+  <p:hf sldNum="0" hdr="0" ftr="0"/>
   <p:txStyles>
     <p:titleStyle>
       <a:lvl1pPr algn="l" defTabSz="914400" rtl="0" eaLnBrk="1" latinLnBrk="0" hangingPunct="1">
@@ -4886,6 +4889,29 @@
           </a:p>
         </p:txBody>
       </p:sp>
+      <p:sp>
+        <p:nvSpPr>
+          <p:cNvPr id="3" name="Datumsplatzhalter 2"/>
+          <p:cNvSpPr>
+            <a:spLocks noGrp="1"/>
+          </p:cNvSpPr>
+          <p:nvPr>
+            <p:ph type="dt" sz="half" idx="10"/>
+          </p:nvPr>
+        </p:nvSpPr>
+        <p:spPr/>
+        <p:txBody>
+          <a:bodyPr/>
+          <a:lstStyle/>
+          <a:p>
+            <a:r>
+              <a:rPr lang="de-DE" smtClean="0"/>
+              <a:t>19.06.2013</a:t>
+            </a:r>
+            <a:endParaRPr lang="de-DE"/>
+          </a:p>
+        </p:txBody>
+      </p:sp>
     </p:spTree>
     <p:extLst>
       <p:ext uri="{BB962C8B-B14F-4D97-AF65-F5344CB8AC3E}">
@@ -5447,6 +5473,29 @@
           </a:p>
         </p:txBody>
       </p:sp>
+      <p:sp>
+        <p:nvSpPr>
+          <p:cNvPr id="2" name="Datumsplatzhalter 1"/>
+          <p:cNvSpPr>
+            <a:spLocks noGrp="1"/>
+          </p:cNvSpPr>
+          <p:nvPr>
+            <p:ph type="dt" sz="half" idx="10"/>
+          </p:nvPr>
+        </p:nvSpPr>
+        <p:spPr/>
+        <p:txBody>
+          <a:bodyPr/>
+          <a:lstStyle/>
+          <a:p>
+            <a:r>
+              <a:rPr lang="de-DE" smtClean="0"/>
+              <a:t>19.06.2013</a:t>
+            </a:r>
+            <a:endParaRPr lang="de-DE"/>
+          </a:p>
+        </p:txBody>
+      </p:sp>
     </p:spTree>
     <p:extLst>
       <p:ext uri="{BB962C8B-B14F-4D97-AF65-F5344CB8AC3E}">
@@ -5634,6 +5683,29 @@
           </a:prstGeom>
         </p:spPr>
       </p:pic>
+      <p:sp>
+        <p:nvSpPr>
+          <p:cNvPr id="2" name="Datumsplatzhalter 1"/>
+          <p:cNvSpPr>
+            <a:spLocks noGrp="1"/>
+          </p:cNvSpPr>
+          <p:nvPr>
+            <p:ph type="dt" sz="half" idx="10"/>
+          </p:nvPr>
+        </p:nvSpPr>
+        <p:spPr/>
+        <p:txBody>
+          <a:bodyPr/>
+          <a:lstStyle/>
+          <a:p>
+            <a:r>
+              <a:rPr lang="de-DE" smtClean="0"/>
+              <a:t>19.06.2013</a:t>
+            </a:r>
+            <a:endParaRPr lang="de-DE"/>
+          </a:p>
+        </p:txBody>
+      </p:sp>
     </p:spTree>
     <p:extLst>
       <p:ext uri="{BB962C8B-B14F-4D97-AF65-F5344CB8AC3E}">
@@ -5985,6 +6057,29 @@
                 <a:schemeClr val="bg1"/>
               </a:solidFill>
             </a:endParaRPr>
+          </a:p>
+        </p:txBody>
+      </p:sp>
+      <p:sp>
+        <p:nvSpPr>
+          <p:cNvPr id="7" name="Datumsplatzhalter 6"/>
+          <p:cNvSpPr>
+            <a:spLocks noGrp="1"/>
+          </p:cNvSpPr>
+          <p:nvPr>
+            <p:ph type="dt" sz="half" idx="10"/>
+          </p:nvPr>
+        </p:nvSpPr>
+        <p:spPr/>
+        <p:txBody>
+          <a:bodyPr/>
+          <a:lstStyle/>
+          <a:p>
+            <a:r>
+              <a:rPr lang="de-DE" smtClean="0"/>
+              <a:t>19.06.2013</a:t>
+            </a:r>
+            <a:endParaRPr lang="de-DE"/>
           </a:p>
         </p:txBody>
       </p:sp>
@@ -6562,6 +6657,29 @@
           </a:p>
         </p:txBody>
       </p:sp>
+      <p:sp>
+        <p:nvSpPr>
+          <p:cNvPr id="4" name="Datumsplatzhalter 3"/>
+          <p:cNvSpPr>
+            <a:spLocks noGrp="1"/>
+          </p:cNvSpPr>
+          <p:nvPr>
+            <p:ph type="dt" sz="half" idx="10"/>
+          </p:nvPr>
+        </p:nvSpPr>
+        <p:spPr/>
+        <p:txBody>
+          <a:bodyPr/>
+          <a:lstStyle/>
+          <a:p>
+            <a:r>
+              <a:rPr lang="de-DE" smtClean="0"/>
+              <a:t>19.06.2013</a:t>
+            </a:r>
+            <a:endParaRPr lang="de-DE"/>
+          </a:p>
+        </p:txBody>
+      </p:sp>
     </p:spTree>
     <p:extLst>
       <p:ext uri="{BB962C8B-B14F-4D97-AF65-F5344CB8AC3E}">
@@ -6749,6 +6867,29 @@
           </a:prstGeom>
         </p:spPr>
       </p:pic>
+      <p:sp>
+        <p:nvSpPr>
+          <p:cNvPr id="2" name="Datumsplatzhalter 1"/>
+          <p:cNvSpPr>
+            <a:spLocks noGrp="1"/>
+          </p:cNvSpPr>
+          <p:nvPr>
+            <p:ph type="dt" sz="half" idx="10"/>
+          </p:nvPr>
+        </p:nvSpPr>
+        <p:spPr/>
+        <p:txBody>
+          <a:bodyPr/>
+          <a:lstStyle/>
+          <a:p>
+            <a:r>
+              <a:rPr lang="de-DE" smtClean="0"/>
+              <a:t>19.06.2013</a:t>
+            </a:r>
+            <a:endParaRPr lang="de-DE"/>
+          </a:p>
+        </p:txBody>
+      </p:sp>
     </p:spTree>
     <p:extLst>
       <p:ext uri="{BB962C8B-B14F-4D97-AF65-F5344CB8AC3E}">
@@ -7117,6 +7258,29 @@
           </a:prstGeom>
         </p:spPr>
       </p:pic>
+      <p:sp>
+        <p:nvSpPr>
+          <p:cNvPr id="4" name="Datumsplatzhalter 3"/>
+          <p:cNvSpPr>
+            <a:spLocks noGrp="1"/>
+          </p:cNvSpPr>
+          <p:nvPr>
+            <p:ph type="dt" sz="half" idx="10"/>
+          </p:nvPr>
+        </p:nvSpPr>
+        <p:spPr/>
+        <p:txBody>
+          <a:bodyPr/>
+          <a:lstStyle/>
+          <a:p>
+            <a:r>
+              <a:rPr lang="de-DE" smtClean="0"/>
+              <a:t>19.06.2013</a:t>
+            </a:r>
+            <a:endParaRPr lang="de-DE"/>
+          </a:p>
+        </p:txBody>
+      </p:sp>
     </p:spTree>
     <p:extLst>
       <p:ext uri="{BB962C8B-B14F-4D97-AF65-F5344CB8AC3E}">
@@ -7356,6 +7520,29 @@
           </a:prstGeom>
         </p:spPr>
       </p:pic>
+      <p:sp>
+        <p:nvSpPr>
+          <p:cNvPr id="2" name="Datumsplatzhalter 1"/>
+          <p:cNvSpPr>
+            <a:spLocks noGrp="1"/>
+          </p:cNvSpPr>
+          <p:nvPr>
+            <p:ph type="dt" sz="half" idx="10"/>
+          </p:nvPr>
+        </p:nvSpPr>
+        <p:spPr/>
+        <p:txBody>
+          <a:bodyPr/>
+          <a:lstStyle/>
+          <a:p>
+            <a:r>
+              <a:rPr lang="de-DE" smtClean="0"/>
+              <a:t>19.06.2013</a:t>
+            </a:r>
+            <a:endParaRPr lang="de-DE"/>
+          </a:p>
+        </p:txBody>
+      </p:sp>
     </p:spTree>
     <p:extLst>
       <p:ext uri="{BB962C8B-B14F-4D97-AF65-F5344CB8AC3E}">
@@ -7733,6 +7920,29 @@
           </a:p>
         </p:txBody>
       </p:sp>
+      <p:sp>
+        <p:nvSpPr>
+          <p:cNvPr id="2" name="Datumsplatzhalter 1"/>
+          <p:cNvSpPr>
+            <a:spLocks noGrp="1"/>
+          </p:cNvSpPr>
+          <p:nvPr>
+            <p:ph type="dt" sz="half" idx="10"/>
+          </p:nvPr>
+        </p:nvSpPr>
+        <p:spPr/>
+        <p:txBody>
+          <a:bodyPr/>
+          <a:lstStyle/>
+          <a:p>
+            <a:r>
+              <a:rPr lang="de-DE" smtClean="0"/>
+              <a:t>19.06.2013</a:t>
+            </a:r>
+            <a:endParaRPr lang="de-DE"/>
+          </a:p>
+        </p:txBody>
+      </p:sp>
     </p:spTree>
     <p:extLst>
       <p:ext uri="{BB962C8B-B14F-4D97-AF65-F5344CB8AC3E}">
@@ -7979,6 +8189,29 @@
           </a:prstGeom>
         </p:spPr>
       </p:pic>
+      <p:sp>
+        <p:nvSpPr>
+          <p:cNvPr id="2" name="Datumsplatzhalter 1"/>
+          <p:cNvSpPr>
+            <a:spLocks noGrp="1"/>
+          </p:cNvSpPr>
+          <p:nvPr>
+            <p:ph type="dt" sz="half" idx="10"/>
+          </p:nvPr>
+        </p:nvSpPr>
+        <p:spPr/>
+        <p:txBody>
+          <a:bodyPr/>
+          <a:lstStyle/>
+          <a:p>
+            <a:r>
+              <a:rPr lang="de-DE" smtClean="0"/>
+              <a:t>19.06.2013</a:t>
+            </a:r>
+            <a:endParaRPr lang="de-DE"/>
+          </a:p>
+        </p:txBody>
+      </p:sp>
     </p:spTree>
     <p:extLst>
       <p:ext uri="{BB962C8B-B14F-4D97-AF65-F5344CB8AC3E}">
@@ -8738,6 +8971,29 @@
           </a:p>
         </p:txBody>
       </p:sp>
+      <p:sp>
+        <p:nvSpPr>
+          <p:cNvPr id="2" name="Datumsplatzhalter 1"/>
+          <p:cNvSpPr>
+            <a:spLocks noGrp="1"/>
+          </p:cNvSpPr>
+          <p:nvPr>
+            <p:ph type="dt" sz="half" idx="10"/>
+          </p:nvPr>
+        </p:nvSpPr>
+        <p:spPr/>
+        <p:txBody>
+          <a:bodyPr/>
+          <a:lstStyle/>
+          <a:p>
+            <a:r>
+              <a:rPr lang="de-DE" smtClean="0"/>
+              <a:t>19.06.2013</a:t>
+            </a:r>
+            <a:endParaRPr lang="de-DE"/>
+          </a:p>
+        </p:txBody>
+      </p:sp>
     </p:spTree>
     <p:extLst>
       <p:ext uri="{BB962C8B-B14F-4D97-AF65-F5344CB8AC3E}">
@@ -9293,6 +9549,29 @@
           </a:p>
         </p:txBody>
       </p:sp>
+      <p:sp>
+        <p:nvSpPr>
+          <p:cNvPr id="2" name="Datumsplatzhalter 1"/>
+          <p:cNvSpPr>
+            <a:spLocks noGrp="1"/>
+          </p:cNvSpPr>
+          <p:nvPr>
+            <p:ph type="dt" sz="half" idx="10"/>
+          </p:nvPr>
+        </p:nvSpPr>
+        <p:spPr/>
+        <p:txBody>
+          <a:bodyPr/>
+          <a:lstStyle/>
+          <a:p>
+            <a:r>
+              <a:rPr lang="de-DE" smtClean="0"/>
+              <a:t>19.06.2013</a:t>
+            </a:r>
+            <a:endParaRPr lang="de-DE"/>
+          </a:p>
+        </p:txBody>
+      </p:sp>
     </p:spTree>
     <p:extLst>
       <p:ext uri="{BB962C8B-B14F-4D97-AF65-F5344CB8AC3E}">
@@ -9511,6 +9790,29 @@
           </a:prstGeom>
         </p:spPr>
       </p:pic>
+      <p:sp>
+        <p:nvSpPr>
+          <p:cNvPr id="4" name="Datumsplatzhalter 3"/>
+          <p:cNvSpPr>
+            <a:spLocks noGrp="1"/>
+          </p:cNvSpPr>
+          <p:nvPr>
+            <p:ph type="dt" sz="half" idx="10"/>
+          </p:nvPr>
+        </p:nvSpPr>
+        <p:spPr/>
+        <p:txBody>
+          <a:bodyPr/>
+          <a:lstStyle/>
+          <a:p>
+            <a:r>
+              <a:rPr lang="de-DE" smtClean="0"/>
+              <a:t>19.06.2013</a:t>
+            </a:r>
+            <a:endParaRPr lang="de-DE"/>
+          </a:p>
+        </p:txBody>
+      </p:sp>
     </p:spTree>
     <p:extLst>
       <p:ext uri="{BB962C8B-B14F-4D97-AF65-F5344CB8AC3E}">
@@ -9867,6 +10169,29 @@
           </a:p>
         </p:txBody>
       </p:sp>
+      <p:sp>
+        <p:nvSpPr>
+          <p:cNvPr id="2" name="Datumsplatzhalter 1"/>
+          <p:cNvSpPr>
+            <a:spLocks noGrp="1"/>
+          </p:cNvSpPr>
+          <p:nvPr>
+            <p:ph type="dt" sz="half" idx="10"/>
+          </p:nvPr>
+        </p:nvSpPr>
+        <p:spPr/>
+        <p:txBody>
+          <a:bodyPr/>
+          <a:lstStyle/>
+          <a:p>
+            <a:r>
+              <a:rPr lang="de-DE" smtClean="0"/>
+              <a:t>19.06.2013</a:t>
+            </a:r>
+            <a:endParaRPr lang="de-DE"/>
+          </a:p>
+        </p:txBody>
+      </p:sp>
     </p:spTree>
     <p:extLst>
       <p:ext uri="{BB962C8B-B14F-4D97-AF65-F5344CB8AC3E}">
@@ -10208,6 +10533,29 @@
           </a:p>
         </p:txBody>
       </p:sp>
+      <p:sp>
+        <p:nvSpPr>
+          <p:cNvPr id="2" name="Datumsplatzhalter 1"/>
+          <p:cNvSpPr>
+            <a:spLocks noGrp="1"/>
+          </p:cNvSpPr>
+          <p:nvPr>
+            <p:ph type="dt" sz="half" idx="10"/>
+          </p:nvPr>
+        </p:nvSpPr>
+        <p:spPr/>
+        <p:txBody>
+          <a:bodyPr/>
+          <a:lstStyle/>
+          <a:p>
+            <a:r>
+              <a:rPr lang="de-DE" smtClean="0"/>
+              <a:t>19.06.2013</a:t>
+            </a:r>
+            <a:endParaRPr lang="de-DE"/>
+          </a:p>
+        </p:txBody>
+      </p:sp>
     </p:spTree>
     <p:extLst>
       <p:ext uri="{BB962C8B-B14F-4D97-AF65-F5344CB8AC3E}">
@@ -10395,6 +10743,29 @@
           </a:prstGeom>
         </p:spPr>
       </p:pic>
+      <p:sp>
+        <p:nvSpPr>
+          <p:cNvPr id="3" name="Datumsplatzhalter 2"/>
+          <p:cNvSpPr>
+            <a:spLocks noGrp="1"/>
+          </p:cNvSpPr>
+          <p:nvPr>
+            <p:ph type="dt" sz="half" idx="10"/>
+          </p:nvPr>
+        </p:nvSpPr>
+        <p:spPr/>
+        <p:txBody>
+          <a:bodyPr/>
+          <a:lstStyle/>
+          <a:p>
+            <a:r>
+              <a:rPr lang="de-DE" smtClean="0"/>
+              <a:t>19.06.2013</a:t>
+            </a:r>
+            <a:endParaRPr lang="de-DE"/>
+          </a:p>
+        </p:txBody>
+      </p:sp>
     </p:spTree>
     <p:extLst>
       <p:ext uri="{BB962C8B-B14F-4D97-AF65-F5344CB8AC3E}">
@@ -10787,6 +11158,29 @@
               </a:rPr>
               <a:t>Spielzug/-platten animieren</a:t>
             </a:r>
+          </a:p>
+        </p:txBody>
+      </p:sp>
+      <p:sp>
+        <p:nvSpPr>
+          <p:cNvPr id="4" name="Datumsplatzhalter 3"/>
+          <p:cNvSpPr>
+            <a:spLocks noGrp="1"/>
+          </p:cNvSpPr>
+          <p:nvPr>
+            <p:ph type="dt" sz="half" idx="10"/>
+          </p:nvPr>
+        </p:nvSpPr>
+        <p:spPr/>
+        <p:txBody>
+          <a:bodyPr/>
+          <a:lstStyle/>
+          <a:p>
+            <a:r>
+              <a:rPr lang="de-DE" smtClean="0"/>
+              <a:t>19.06.2013</a:t>
+            </a:r>
+            <a:endParaRPr lang="de-DE"/>
           </a:p>
         </p:txBody>
       </p:sp>
@@ -11184,6 +11578,29 @@
           </a:prstGeom>
         </p:spPr>
       </p:pic>
+      <p:sp>
+        <p:nvSpPr>
+          <p:cNvPr id="7" name="Datumsplatzhalter 6"/>
+          <p:cNvSpPr>
+            <a:spLocks noGrp="1"/>
+          </p:cNvSpPr>
+          <p:nvPr>
+            <p:ph type="dt" sz="half" idx="10"/>
+          </p:nvPr>
+        </p:nvSpPr>
+        <p:spPr/>
+        <p:txBody>
+          <a:bodyPr/>
+          <a:lstStyle/>
+          <a:p>
+            <a:r>
+              <a:rPr lang="de-DE" smtClean="0"/>
+              <a:t>19.06.2013</a:t>
+            </a:r>
+            <a:endParaRPr lang="de-DE"/>
+          </a:p>
+        </p:txBody>
+      </p:sp>
     </p:spTree>
     <p:extLst>
       <p:ext uri="{BB962C8B-B14F-4D97-AF65-F5344CB8AC3E}">
@@ -11383,6 +11800,29 @@
           </a:prstGeom>
         </p:spPr>
       </p:pic>
+      <p:sp>
+        <p:nvSpPr>
+          <p:cNvPr id="2" name="Datumsplatzhalter 1"/>
+          <p:cNvSpPr>
+            <a:spLocks noGrp="1"/>
+          </p:cNvSpPr>
+          <p:nvPr>
+            <p:ph type="dt" sz="half" idx="10"/>
+          </p:nvPr>
+        </p:nvSpPr>
+        <p:spPr/>
+        <p:txBody>
+          <a:bodyPr/>
+          <a:lstStyle/>
+          <a:p>
+            <a:r>
+              <a:rPr lang="de-DE" smtClean="0"/>
+              <a:t>19.06.2013</a:t>
+            </a:r>
+            <a:endParaRPr lang="de-DE"/>
+          </a:p>
+        </p:txBody>
+      </p:sp>
     </p:spTree>
     <p:extLst>
       <p:ext uri="{BB962C8B-B14F-4D97-AF65-F5344CB8AC3E}">
@@ -11567,6 +12007,29 @@
           </a:prstGeom>
         </p:spPr>
       </p:pic>
+      <p:sp>
+        <p:nvSpPr>
+          <p:cNvPr id="2" name="Datumsplatzhalter 1"/>
+          <p:cNvSpPr>
+            <a:spLocks noGrp="1"/>
+          </p:cNvSpPr>
+          <p:nvPr>
+            <p:ph type="dt" sz="half" idx="10"/>
+          </p:nvPr>
+        </p:nvSpPr>
+        <p:spPr/>
+        <p:txBody>
+          <a:bodyPr/>
+          <a:lstStyle/>
+          <a:p>
+            <a:r>
+              <a:rPr lang="de-DE" smtClean="0"/>
+              <a:t>19.06.2013</a:t>
+            </a:r>
+            <a:endParaRPr lang="de-DE"/>
+          </a:p>
+        </p:txBody>
+      </p:sp>
     </p:spTree>
     <p:extLst>
       <p:ext uri="{BB962C8B-B14F-4D97-AF65-F5344CB8AC3E}">
